--- a/Sat_Data_Science/DS-Day-01 R.pptx
+++ b/Sat_Data_Science/DS-Day-01 R.pptx
@@ -206,7 +206,7 @@
           <a:p>
             <a:fld id="{22783AA6-C1EF-448D-A48A-EF30DCBEFCCC}" type="datetimeFigureOut">
               <a:rPr lang="en-US" smtClean="0"/>
-              <a:t>9/7/2018</a:t>
+              <a:t>9/8/2018</a:t>
             </a:fld>
             <a:endParaRPr lang="en-US"/>
           </a:p>
@@ -1732,7 +1732,7 @@
           <a:p>
             <a:fld id="{C14F4D0B-68E4-4C14-BD4D-319F9BD213A3}" type="datetimeFigureOut">
               <a:rPr lang="ru-RU" smtClean="0"/>
-              <a:t>07.09.2018</a:t>
+              <a:t>08.09.2018</a:t>
             </a:fld>
             <a:endParaRPr lang="ru-RU"/>
           </a:p>
@@ -1902,7 +1902,7 @@
           <a:p>
             <a:fld id="{C14F4D0B-68E4-4C14-BD4D-319F9BD213A3}" type="datetimeFigureOut">
               <a:rPr lang="ru-RU" smtClean="0"/>
-              <a:t>07.09.2018</a:t>
+              <a:t>08.09.2018</a:t>
             </a:fld>
             <a:endParaRPr lang="ru-RU"/>
           </a:p>
@@ -2082,7 +2082,7 @@
           <a:p>
             <a:fld id="{C14F4D0B-68E4-4C14-BD4D-319F9BD213A3}" type="datetimeFigureOut">
               <a:rPr lang="ru-RU" smtClean="0"/>
-              <a:t>07.09.2018</a:t>
+              <a:t>08.09.2018</a:t>
             </a:fld>
             <a:endParaRPr lang="ru-RU"/>
           </a:p>
@@ -2252,7 +2252,7 @@
           <a:p>
             <a:fld id="{C14F4D0B-68E4-4C14-BD4D-319F9BD213A3}" type="datetimeFigureOut">
               <a:rPr lang="ru-RU" smtClean="0"/>
-              <a:t>07.09.2018</a:t>
+              <a:t>08.09.2018</a:t>
             </a:fld>
             <a:endParaRPr lang="ru-RU"/>
           </a:p>
@@ -2503,7 +2503,7 @@
           <a:p>
             <a:fld id="{C14F4D0B-68E4-4C14-BD4D-319F9BD213A3}" type="datetimeFigureOut">
               <a:rPr lang="ru-RU" smtClean="0"/>
-              <a:t>07.09.2018</a:t>
+              <a:t>08.09.2018</a:t>
             </a:fld>
             <a:endParaRPr lang="ru-RU"/>
           </a:p>
@@ -2735,7 +2735,7 @@
           <a:p>
             <a:fld id="{C14F4D0B-68E4-4C14-BD4D-319F9BD213A3}" type="datetimeFigureOut">
               <a:rPr lang="ru-RU" smtClean="0"/>
-              <a:t>07.09.2018</a:t>
+              <a:t>08.09.2018</a:t>
             </a:fld>
             <a:endParaRPr lang="ru-RU"/>
           </a:p>
@@ -3082,7 +3082,7 @@
           <a:p>
             <a:fld id="{C14F4D0B-68E4-4C14-BD4D-319F9BD213A3}" type="datetimeFigureOut">
               <a:rPr lang="ru-RU" smtClean="0"/>
-              <a:t>07.09.2018</a:t>
+              <a:t>08.09.2018</a:t>
             </a:fld>
             <a:endParaRPr lang="ru-RU"/>
           </a:p>
@@ -3200,7 +3200,7 @@
           <a:p>
             <a:fld id="{C14F4D0B-68E4-4C14-BD4D-319F9BD213A3}" type="datetimeFigureOut">
               <a:rPr lang="ru-RU" smtClean="0"/>
-              <a:t>07.09.2018</a:t>
+              <a:t>08.09.2018</a:t>
             </a:fld>
             <a:endParaRPr lang="ru-RU"/>
           </a:p>
@@ -3318,7 +3318,7 @@
           <a:p>
             <a:fld id="{C14F4D0B-68E4-4C14-BD4D-319F9BD213A3}" type="datetimeFigureOut">
               <a:rPr lang="ru-RU" smtClean="0"/>
-              <a:t>07.09.2018</a:t>
+              <a:t>08.09.2018</a:t>
             </a:fld>
             <a:endParaRPr lang="ru-RU"/>
           </a:p>
@@ -3602,7 +3602,7 @@
           <a:p>
             <a:fld id="{C14F4D0B-68E4-4C14-BD4D-319F9BD213A3}" type="datetimeFigureOut">
               <a:rPr lang="ru-RU" smtClean="0"/>
-              <a:t>07.09.2018</a:t>
+              <a:t>08.09.2018</a:t>
             </a:fld>
             <a:endParaRPr lang="ru-RU"/>
           </a:p>
@@ -3866,7 +3866,7 @@
           <a:p>
             <a:fld id="{C14F4D0B-68E4-4C14-BD4D-319F9BD213A3}" type="datetimeFigureOut">
               <a:rPr lang="ru-RU" smtClean="0"/>
-              <a:t>07.09.2018</a:t>
+              <a:t>08.09.2018</a:t>
             </a:fld>
             <a:endParaRPr lang="ru-RU"/>
           </a:p>
@@ -4080,7 +4080,7 @@
           <a:p>
             <a:fld id="{C14F4D0B-68E4-4C14-BD4D-319F9BD213A3}" type="datetimeFigureOut">
               <a:rPr lang="ru-RU" smtClean="0"/>
-              <a:t>07.09.2018</a:t>
+              <a:t>08.09.2018</a:t>
             </a:fld>
             <a:endParaRPr lang="ru-RU"/>
           </a:p>
@@ -4597,17 +4597,7 @@
                 <a:latin typeface="Arial" pitchFamily="34" charset="0"/>
                 <a:cs typeface="Arial" pitchFamily="34" charset="0"/>
               </a:rPr>
-              <a:t>Data Science Day </a:t>
-            </a:r>
-            <a:r>
-              <a:rPr lang="en-US" sz="3600" b="1" dirty="0" smtClean="0">
-                <a:solidFill>
-                  <a:srgbClr val="0064B5"/>
-                </a:solidFill>
-                <a:latin typeface="Arial" pitchFamily="34" charset="0"/>
-                <a:cs typeface="Arial" pitchFamily="34" charset="0"/>
-              </a:rPr>
-              <a:t>1</a:t>
+              <a:t>Data Science Day 1</a:t>
             </a:r>
             <a:endParaRPr lang="ru-RU" sz="3600" b="1" dirty="0">
               <a:solidFill>
@@ -7837,7 +7827,7 @@
             </a:r>
             <a:r>
               <a:rPr lang="en-US" sz="1800" dirty="0" err="1" smtClean="0"/>
-              <a:t>trl+Shift+S</a:t>
+              <a:t>trl+Alt+R</a:t>
             </a:r>
             <a:r>
               <a:rPr lang="en-US" sz="1800" dirty="0" smtClean="0"/>
